--- a/IOT_Powerpoint_Presentation.pptx
+++ b/IOT_Powerpoint_Presentation.pptx
@@ -5,24 +5,20 @@
     <p:sldMasterId id="2147483684" r:id="rId4"/>
   </p:sldMasterIdLst>
   <p:notesMasterIdLst>
-    <p:notesMasterId r:id="rId17"/>
+    <p:notesMasterId r:id="rId13"/>
   </p:notesMasterIdLst>
   <p:handoutMasterIdLst>
-    <p:handoutMasterId r:id="rId18"/>
+    <p:handoutMasterId r:id="rId14"/>
   </p:handoutMasterIdLst>
   <p:sldIdLst>
     <p:sldId id="257" r:id="rId5"/>
     <p:sldId id="389" r:id="rId6"/>
     <p:sldId id="277" r:id="rId7"/>
     <p:sldId id="278" r:id="rId8"/>
-    <p:sldId id="396" r:id="rId9"/>
-    <p:sldId id="392" r:id="rId10"/>
-    <p:sldId id="398" r:id="rId11"/>
-    <p:sldId id="393" r:id="rId12"/>
-    <p:sldId id="397" r:id="rId13"/>
-    <p:sldId id="394" r:id="rId14"/>
-    <p:sldId id="395" r:id="rId15"/>
-    <p:sldId id="391" r:id="rId16"/>
+    <p:sldId id="392" r:id="rId9"/>
+    <p:sldId id="393" r:id="rId10"/>
+    <p:sldId id="394" r:id="rId11"/>
+    <p:sldId id="391" r:id="rId12"/>
   </p:sldIdLst>
   <p:sldSz cx="12192000" cy="6858000"/>
   <p:notesSz cx="6858000" cy="9144000"/>
@@ -12937,593 +12933,6 @@
 </p:sld>
 </file>
 
-<file path=ppt/slides/slide10.xml><?xml version="1.0" encoding="utf-8"?>
-<p:sld xmlns:a="http://schemas.openxmlformats.org/drawingml/2006/main" xmlns:r="http://schemas.openxmlformats.org/officeDocument/2006/relationships" xmlns:p="http://schemas.openxmlformats.org/presentationml/2006/main">
-  <p:cSld>
-    <p:spTree>
-      <p:nvGrpSpPr>
-        <p:cNvPr id="1" name=""/>
-        <p:cNvGrpSpPr/>
-        <p:nvPr/>
-      </p:nvGrpSpPr>
-      <p:grpSpPr>
-        <a:xfrm>
-          <a:off x="0" y="0"/>
-          <a:ext cx="0" cy="0"/>
-          <a:chOff x="0" y="0"/>
-          <a:chExt cx="0" cy="0"/>
-        </a:xfrm>
-      </p:grpSpPr>
-      <p:sp>
-        <p:nvSpPr>
-          <p:cNvPr id="2" name="Title 1">
-            <a:extLst>
-              <a:ext uri="{FF2B5EF4-FFF2-40B4-BE49-F238E27FC236}">
-                <a16:creationId xmlns:a16="http://schemas.microsoft.com/office/drawing/2014/main" id="{FCB102D8-1D22-4940-AF19-07CF3A0DC5F4}"/>
-              </a:ext>
-            </a:extLst>
-          </p:cNvPr>
-          <p:cNvSpPr>
-            <a:spLocks noGrp="1"/>
-          </p:cNvSpPr>
-          <p:nvPr>
-            <p:ph type="title"/>
-          </p:nvPr>
-        </p:nvSpPr>
-        <p:spPr>
-          <a:xfrm>
-            <a:off x="550862" y="549275"/>
-            <a:ext cx="11091600" cy="1332000"/>
-          </a:xfrm>
-        </p:spPr>
-        <p:txBody>
-          <a:bodyPr/>
-          <a:lstStyle/>
-          <a:p>
-            <a:r>
-              <a:rPr lang="en-US" dirty="0"/>
-              <a:t>Phase 4</a:t>
-            </a:r>
-          </a:p>
-        </p:txBody>
-      </p:sp>
-      <p:sp>
-        <p:nvSpPr>
-          <p:cNvPr id="16" name="Slide Number Placeholder 15">
-            <a:extLst>
-              <a:ext uri="{FF2B5EF4-FFF2-40B4-BE49-F238E27FC236}">
-                <a16:creationId xmlns:a16="http://schemas.microsoft.com/office/drawing/2014/main" id="{3F8A62C8-5437-4C47-AC0F-0605F84CBA57}"/>
-              </a:ext>
-            </a:extLst>
-          </p:cNvPr>
-          <p:cNvSpPr>
-            <a:spLocks noGrp="1"/>
-          </p:cNvSpPr>
-          <p:nvPr>
-            <p:ph type="sldNum" sz="quarter" idx="12"/>
-          </p:nvPr>
-        </p:nvSpPr>
-        <p:spPr>
-          <a:xfrm>
-            <a:off x="9948863" y="6507212"/>
-            <a:ext cx="1692274" cy="153888"/>
-          </a:xfrm>
-        </p:spPr>
-        <p:txBody>
-          <a:bodyPr/>
-          <a:lstStyle/>
-          <a:p>
-            <a:fld id="{DBA1B0FB-D917-4C8C-928F-313BD683BF39}" type="slidenum">
-              <a:rPr lang="en-US" smtClean="0"/>
-              <a:pPr/>
-              <a:t>10</a:t>
-            </a:fld>
-            <a:endParaRPr lang="en-US"/>
-          </a:p>
-        </p:txBody>
-      </p:sp>
-      <p:sp>
-        <p:nvSpPr>
-          <p:cNvPr id="4" name="Content Placeholder 3">
-            <a:extLst>
-              <a:ext uri="{FF2B5EF4-FFF2-40B4-BE49-F238E27FC236}">
-                <a16:creationId xmlns:a16="http://schemas.microsoft.com/office/drawing/2014/main" id="{CBCA4FF1-301A-91E5-E938-C3E7853F4E73}"/>
-              </a:ext>
-            </a:extLst>
-          </p:cNvPr>
-          <p:cNvSpPr>
-            <a:spLocks noGrp="1"/>
-          </p:cNvSpPr>
-          <p:nvPr>
-            <p:ph idx="1"/>
-          </p:nvPr>
-        </p:nvSpPr>
-        <p:spPr>
-          <a:xfrm>
-            <a:off x="550863" y="2113199"/>
-            <a:ext cx="4909658" cy="4028809"/>
-          </a:xfrm>
-        </p:spPr>
-        <p:txBody>
-          <a:bodyPr/>
-          <a:lstStyle/>
-          <a:p>
-            <a:pPr marL="0" indent="0">
-              <a:buNone/>
-            </a:pPr>
-            <a:r>
-              <a:rPr lang="en-CA" b="1" u="sng" dirty="0"/>
-              <a:t>Task 1</a:t>
-            </a:r>
-          </a:p>
-          <a:p>
-            <a:r>
-              <a:rPr lang="en-CA" dirty="0"/>
-              <a:t>The purpose of this task was to create a user profile. In which, an assigned RFID tag number is given. Any information related to the RFID is sent using the MQTT broker.</a:t>
-            </a:r>
-          </a:p>
-          <a:p>
-            <a:pPr marL="0" indent="0">
-              <a:buNone/>
-            </a:pPr>
-            <a:r>
-              <a:rPr lang="en-CA" b="1" u="sng" dirty="0"/>
-              <a:t>Task 2</a:t>
-            </a:r>
-          </a:p>
-          <a:p>
-            <a:r>
-              <a:rPr lang="en-CA" dirty="0"/>
-              <a:t>The purpose of this task was to count the number of Bluetooth devices-enables nearby.</a:t>
-            </a:r>
-          </a:p>
-          <a:p>
-            <a:pPr marL="0" indent="0">
-              <a:buNone/>
-            </a:pPr>
-            <a:endParaRPr lang="en-CA" dirty="0"/>
-          </a:p>
-          <a:p>
-            <a:pPr marL="0" indent="0">
-              <a:buNone/>
-            </a:pPr>
-            <a:endParaRPr lang="en-CA" dirty="0"/>
-          </a:p>
-          <a:p>
-            <a:pPr marL="0" indent="0">
-              <a:buNone/>
-            </a:pPr>
-            <a:endParaRPr lang="en-CA" dirty="0"/>
-          </a:p>
-        </p:txBody>
-      </p:sp>
-      <p:sp>
-        <p:nvSpPr>
-          <p:cNvPr id="5" name="TextBox 4">
-            <a:extLst>
-              <a:ext uri="{FF2B5EF4-FFF2-40B4-BE49-F238E27FC236}">
-                <a16:creationId xmlns:a16="http://schemas.microsoft.com/office/drawing/2014/main" id="{CDC71614-5B66-AED7-1D2E-0197AA543FF8}"/>
-              </a:ext>
-            </a:extLst>
-          </p:cNvPr>
-          <p:cNvSpPr txBox="1"/>
-          <p:nvPr/>
-        </p:nvSpPr>
-        <p:spPr>
-          <a:xfrm>
-            <a:off x="8039819" y="1674072"/>
-            <a:ext cx="3122762" cy="646331"/>
-          </a:xfrm>
-          <a:prstGeom prst="rect">
-            <a:avLst/>
-          </a:prstGeom>
-          <a:noFill/>
-        </p:spPr>
-        <p:txBody>
-          <a:bodyPr wrap="square" rtlCol="0">
-            <a:spAutoFit/>
-          </a:bodyPr>
-          <a:lstStyle/>
-          <a:p>
-            <a:r>
-              <a:rPr lang="en-CA" dirty="0"/>
-              <a:t>ADD Picture of Phase 4 Task 1 part of dashboard</a:t>
-            </a:r>
-          </a:p>
-        </p:txBody>
-      </p:sp>
-      <p:pic>
-        <p:nvPicPr>
-          <p:cNvPr id="7" name="Picture 6">
-            <a:extLst>
-              <a:ext uri="{FF2B5EF4-FFF2-40B4-BE49-F238E27FC236}">
-                <a16:creationId xmlns:a16="http://schemas.microsoft.com/office/drawing/2014/main" id="{EE27D61E-A459-FFDF-7649-A9EB4D4457A2}"/>
-              </a:ext>
-            </a:extLst>
-          </p:cNvPr>
-          <p:cNvPicPr>
-            <a:picLocks noChangeAspect="1"/>
-          </p:cNvPicPr>
-          <p:nvPr/>
-        </p:nvPicPr>
-        <p:blipFill>
-          <a:blip r:embed="rId2"/>
-          <a:stretch>
-            <a:fillRect/>
-          </a:stretch>
-        </p:blipFill>
-        <p:spPr>
-          <a:xfrm>
-            <a:off x="8507781" y="5007521"/>
-            <a:ext cx="1781424" cy="571580"/>
-          </a:xfrm>
-          <a:prstGeom prst="rect">
-            <a:avLst/>
-          </a:prstGeom>
-        </p:spPr>
-      </p:pic>
-    </p:spTree>
-    <p:extLst>
-      <p:ext uri="{BB962C8B-B14F-4D97-AF65-F5344CB8AC3E}">
-        <p14:creationId xmlns:p14="http://schemas.microsoft.com/office/powerpoint/2010/main" val="1821801828"/>
-      </p:ext>
-    </p:extLst>
-  </p:cSld>
-  <p:clrMapOvr>
-    <a:masterClrMapping/>
-  </p:clrMapOvr>
-</p:sld>
-</file>
-
-<file path=ppt/slides/slide11.xml><?xml version="1.0" encoding="utf-8"?>
-<p:sld xmlns:a="http://schemas.openxmlformats.org/drawingml/2006/main" xmlns:r="http://schemas.openxmlformats.org/officeDocument/2006/relationships" xmlns:p="http://schemas.openxmlformats.org/presentationml/2006/main">
-  <p:cSld>
-    <p:spTree>
-      <p:nvGrpSpPr>
-        <p:cNvPr id="1" name=""/>
-        <p:cNvGrpSpPr/>
-        <p:nvPr/>
-      </p:nvGrpSpPr>
-      <p:grpSpPr>
-        <a:xfrm>
-          <a:off x="0" y="0"/>
-          <a:ext cx="0" cy="0"/>
-          <a:chOff x="0" y="0"/>
-          <a:chExt cx="0" cy="0"/>
-        </a:xfrm>
-      </p:grpSpPr>
-      <p:sp>
-        <p:nvSpPr>
-          <p:cNvPr id="2" name="Title 1">
-            <a:extLst>
-              <a:ext uri="{FF2B5EF4-FFF2-40B4-BE49-F238E27FC236}">
-                <a16:creationId xmlns:a16="http://schemas.microsoft.com/office/drawing/2014/main" id="{FCB102D8-1D22-4940-AF19-07CF3A0DC5F4}"/>
-              </a:ext>
-            </a:extLst>
-          </p:cNvPr>
-          <p:cNvSpPr>
-            <a:spLocks noGrp="1"/>
-          </p:cNvSpPr>
-          <p:nvPr>
-            <p:ph type="title"/>
-          </p:nvPr>
-        </p:nvSpPr>
-        <p:spPr>
-          <a:xfrm>
-            <a:off x="550862" y="549275"/>
-            <a:ext cx="11091600" cy="1332000"/>
-          </a:xfrm>
-        </p:spPr>
-        <p:txBody>
-          <a:bodyPr/>
-          <a:lstStyle/>
-          <a:p>
-            <a:r>
-              <a:rPr lang="en-US" dirty="0"/>
-              <a:t>Phase 4</a:t>
-            </a:r>
-          </a:p>
-        </p:txBody>
-      </p:sp>
-      <p:sp>
-        <p:nvSpPr>
-          <p:cNvPr id="16" name="Slide Number Placeholder 15">
-            <a:extLst>
-              <a:ext uri="{FF2B5EF4-FFF2-40B4-BE49-F238E27FC236}">
-                <a16:creationId xmlns:a16="http://schemas.microsoft.com/office/drawing/2014/main" id="{3F8A62C8-5437-4C47-AC0F-0605F84CBA57}"/>
-              </a:ext>
-            </a:extLst>
-          </p:cNvPr>
-          <p:cNvSpPr>
-            <a:spLocks noGrp="1"/>
-          </p:cNvSpPr>
-          <p:nvPr>
-            <p:ph type="sldNum" sz="quarter" idx="12"/>
-          </p:nvPr>
-        </p:nvSpPr>
-        <p:spPr>
-          <a:xfrm>
-            <a:off x="9948863" y="6507212"/>
-            <a:ext cx="1692274" cy="153888"/>
-          </a:xfrm>
-        </p:spPr>
-        <p:txBody>
-          <a:bodyPr/>
-          <a:lstStyle/>
-          <a:p>
-            <a:fld id="{DBA1B0FB-D917-4C8C-928F-313BD683BF39}" type="slidenum">
-              <a:rPr lang="en-US" smtClean="0"/>
-              <a:pPr/>
-              <a:t>11</a:t>
-            </a:fld>
-            <a:endParaRPr lang="en-US"/>
-          </a:p>
-        </p:txBody>
-      </p:sp>
-      <p:sp>
-        <p:nvSpPr>
-          <p:cNvPr id="3" name="TextBox 2">
-            <a:extLst>
-              <a:ext uri="{FF2B5EF4-FFF2-40B4-BE49-F238E27FC236}">
-                <a16:creationId xmlns:a16="http://schemas.microsoft.com/office/drawing/2014/main" id="{DF4A1AEA-A912-1D44-CABA-29D763490339}"/>
-              </a:ext>
-            </a:extLst>
-          </p:cNvPr>
-          <p:cNvSpPr txBox="1"/>
-          <p:nvPr/>
-        </p:nvSpPr>
-        <p:spPr>
-          <a:xfrm>
-            <a:off x="4425351" y="2598905"/>
-            <a:ext cx="3122762" cy="923330"/>
-          </a:xfrm>
-          <a:prstGeom prst="rect">
-            <a:avLst/>
-          </a:prstGeom>
-          <a:noFill/>
-        </p:spPr>
-        <p:txBody>
-          <a:bodyPr wrap="square" rtlCol="0">
-            <a:spAutoFit/>
-          </a:bodyPr>
-          <a:lstStyle/>
-          <a:p>
-            <a:r>
-              <a:rPr lang="en-CA" dirty="0"/>
-              <a:t>Any other pictures related to phase 4 add in this slide, if none delete this slide.</a:t>
-            </a:r>
-          </a:p>
-        </p:txBody>
-      </p:sp>
-    </p:spTree>
-    <p:extLst>
-      <p:ext uri="{BB962C8B-B14F-4D97-AF65-F5344CB8AC3E}">
-        <p14:creationId xmlns:p14="http://schemas.microsoft.com/office/powerpoint/2010/main" val="2083834431"/>
-      </p:ext>
-    </p:extLst>
-  </p:cSld>
-  <p:clrMapOvr>
-    <a:masterClrMapping/>
-  </p:clrMapOvr>
-</p:sld>
-</file>
-
-<file path=ppt/slides/slide12.xml><?xml version="1.0" encoding="utf-8"?>
-<p:sld xmlns:a="http://schemas.openxmlformats.org/drawingml/2006/main" xmlns:r="http://schemas.openxmlformats.org/officeDocument/2006/relationships" xmlns:p="http://schemas.openxmlformats.org/presentationml/2006/main">
-  <p:cSld>
-    <p:spTree>
-      <p:nvGrpSpPr>
-        <p:cNvPr id="1" name=""/>
-        <p:cNvGrpSpPr/>
-        <p:nvPr/>
-      </p:nvGrpSpPr>
-      <p:grpSpPr>
-        <a:xfrm>
-          <a:off x="0" y="0"/>
-          <a:ext cx="0" cy="0"/>
-          <a:chOff x="0" y="0"/>
-          <a:chExt cx="0" cy="0"/>
-        </a:xfrm>
-      </p:grpSpPr>
-      <p:sp>
-        <p:nvSpPr>
-          <p:cNvPr id="22" name="Title 21">
-            <a:extLst>
-              <a:ext uri="{FF2B5EF4-FFF2-40B4-BE49-F238E27FC236}">
-                <a16:creationId xmlns:a16="http://schemas.microsoft.com/office/drawing/2014/main" id="{F8FAEED9-1ECD-45F9-87A0-9394BAEABB79}"/>
-              </a:ext>
-            </a:extLst>
-          </p:cNvPr>
-          <p:cNvSpPr>
-            <a:spLocks noGrp="1"/>
-          </p:cNvSpPr>
-          <p:nvPr>
-            <p:ph type="ctrTitle"/>
-          </p:nvPr>
-        </p:nvSpPr>
-        <p:spPr>
-          <a:xfrm>
-            <a:off x="550863" y="549275"/>
-            <a:ext cx="5437187" cy="2986234"/>
-          </a:xfrm>
-        </p:spPr>
-        <p:txBody>
-          <a:bodyPr/>
-          <a:lstStyle/>
-          <a:p>
-            <a:r>
-              <a:rPr lang="en-US" dirty="0"/>
-              <a:t>Thank You</a:t>
-            </a:r>
-          </a:p>
-        </p:txBody>
-      </p:sp>
-      <p:sp>
-        <p:nvSpPr>
-          <p:cNvPr id="23" name="Subtitle 22">
-            <a:extLst>
-              <a:ext uri="{FF2B5EF4-FFF2-40B4-BE49-F238E27FC236}">
-                <a16:creationId xmlns:a16="http://schemas.microsoft.com/office/drawing/2014/main" id="{8E5E4638-9BCB-4C2E-914F-CC868E2020D5}"/>
-              </a:ext>
-            </a:extLst>
-          </p:cNvPr>
-          <p:cNvSpPr>
-            <a:spLocks noGrp="1"/>
-          </p:cNvSpPr>
-          <p:nvPr>
-            <p:ph type="subTitle" idx="1"/>
-          </p:nvPr>
-        </p:nvSpPr>
-        <p:spPr>
-          <a:xfrm>
-            <a:off x="550863" y="3827610"/>
-            <a:ext cx="5437187" cy="2265216"/>
-          </a:xfrm>
-        </p:spPr>
-        <p:txBody>
-          <a:bodyPr/>
-          <a:lstStyle/>
-          <a:p>
-            <a:r>
-              <a:rPr lang="en-US" dirty="0"/>
-              <a:t>Christopher Benson</a:t>
-            </a:r>
-          </a:p>
-          <a:p>
-            <a:r>
-              <a:rPr lang="en-US" dirty="0"/>
-              <a:t>Igor </a:t>
-            </a:r>
-            <a:r>
-              <a:rPr lang="en-US" dirty="0" err="1"/>
-              <a:t>Raigorodskyi</a:t>
-            </a:r>
-            <a:endParaRPr lang="en-US" dirty="0"/>
-          </a:p>
-          <a:p>
-            <a:r>
-              <a:rPr lang="en-US" dirty="0"/>
-              <a:t>Theodore Tsimiklis</a:t>
-            </a:r>
-          </a:p>
-        </p:txBody>
-      </p:sp>
-      <p:pic>
-        <p:nvPicPr>
-          <p:cNvPr id="27" name="Picture Placeholder 26" descr="Data Points Digital background">
-            <a:extLst>
-              <a:ext uri="{FF2B5EF4-FFF2-40B4-BE49-F238E27FC236}">
-                <a16:creationId xmlns:a16="http://schemas.microsoft.com/office/drawing/2014/main" id="{9E660784-34E2-4CDA-926A-DDD6AAF35046}"/>
-              </a:ext>
-            </a:extLst>
-          </p:cNvPr>
-          <p:cNvPicPr>
-            <a:picLocks noGrp="1" noChangeAspect="1"/>
-          </p:cNvPicPr>
-          <p:nvPr>
-            <p:ph type="pic" sz="quarter" idx="15"/>
-          </p:nvPr>
-        </p:nvPicPr>
-        <p:blipFill rotWithShape="1">
-          <a:blip r:embed="rId2" cstate="screen">
-            <a:extLst>
-              <a:ext uri="{28A0092B-C50C-407E-A947-70E740481C1C}">
-                <a14:useLocalDpi xmlns:a14="http://schemas.microsoft.com/office/drawing/2010/main" val="0"/>
-              </a:ext>
-            </a:extLst>
-          </a:blip>
-          <a:srcRect/>
-          <a:stretch/>
-        </p:blipFill>
-        <p:spPr>
-          <a:xfrm>
-            <a:off x="6556248" y="548640"/>
-            <a:ext cx="5084064" cy="2880360"/>
-          </a:xfrm>
-        </p:spPr>
-      </p:pic>
-      <p:pic>
-        <p:nvPicPr>
-          <p:cNvPr id="33" name="Picture Placeholder 32" descr="Data Points Digital background">
-            <a:extLst>
-              <a:ext uri="{FF2B5EF4-FFF2-40B4-BE49-F238E27FC236}">
-                <a16:creationId xmlns:a16="http://schemas.microsoft.com/office/drawing/2014/main" id="{48106962-23C6-4DFE-BB3A-E5FFF03F38CE}"/>
-              </a:ext>
-            </a:extLst>
-          </p:cNvPr>
-          <p:cNvPicPr>
-            <a:picLocks noGrp="1" noChangeAspect="1"/>
-          </p:cNvPicPr>
-          <p:nvPr>
-            <p:ph type="pic" sz="quarter" idx="16"/>
-          </p:nvPr>
-        </p:nvPicPr>
-        <p:blipFill rotWithShape="1">
-          <a:blip r:embed="rId3" cstate="screen">
-            <a:extLst>
-              <a:ext uri="{28A0092B-C50C-407E-A947-70E740481C1C}">
-                <a14:useLocalDpi xmlns:a14="http://schemas.microsoft.com/office/drawing/2010/main" val="0"/>
-              </a:ext>
-            </a:extLst>
-          </a:blip>
-          <a:srcRect/>
-          <a:stretch/>
-        </p:blipFill>
-        <p:spPr>
-          <a:xfrm>
-            <a:off x="6556248" y="3429000"/>
-            <a:ext cx="5084064" cy="2880360"/>
-          </a:xfrm>
-        </p:spPr>
-      </p:pic>
-      <p:sp>
-        <p:nvSpPr>
-          <p:cNvPr id="6" name="Slide Number Placeholder 5">
-            <a:extLst>
-              <a:ext uri="{FF2B5EF4-FFF2-40B4-BE49-F238E27FC236}">
-                <a16:creationId xmlns:a16="http://schemas.microsoft.com/office/drawing/2014/main" id="{36E60F23-FB58-4EF8-82FD-E86CED25FDD4}"/>
-              </a:ext>
-            </a:extLst>
-          </p:cNvPr>
-          <p:cNvSpPr>
-            <a:spLocks noGrp="1"/>
-          </p:cNvSpPr>
-          <p:nvPr>
-            <p:ph type="sldNum" sz="quarter" idx="12"/>
-          </p:nvPr>
-        </p:nvSpPr>
-        <p:spPr>
-          <a:xfrm>
-            <a:off x="9948863" y="6507212"/>
-            <a:ext cx="1692274" cy="153888"/>
-          </a:xfrm>
-        </p:spPr>
-        <p:txBody>
-          <a:bodyPr/>
-          <a:lstStyle/>
-          <a:p>
-            <a:fld id="{DBA1B0FB-D917-4C8C-928F-313BD683BF39}" type="slidenum">
-              <a:rPr lang="en-US" smtClean="0"/>
-              <a:pPr/>
-              <a:t>12</a:t>
-            </a:fld>
-            <a:endParaRPr lang="en-US"/>
-          </a:p>
-        </p:txBody>
-      </p:sp>
-    </p:spTree>
-    <p:extLst>
-      <p:ext uri="{BB962C8B-B14F-4D97-AF65-F5344CB8AC3E}">
-        <p14:creationId xmlns:p14="http://schemas.microsoft.com/office/powerpoint/2010/main" val="3247798845"/>
-      </p:ext>
-    </p:extLst>
-  </p:cSld>
-  <p:clrMapOvr>
-    <a:masterClrMapping/>
-  </p:clrMapOvr>
-</p:sld>
-</file>
-
 <file path=ppt/slides/slide2.xml><?xml version="1.0" encoding="utf-8"?>
 <p:sld xmlns:a="http://schemas.openxmlformats.org/drawingml/2006/main" xmlns:r="http://schemas.openxmlformats.org/officeDocument/2006/relationships" xmlns:p="http://schemas.openxmlformats.org/presentationml/2006/main">
   <p:cSld>
@@ -14231,7 +13640,7 @@
           <a:p>
             <a:r>
               <a:rPr lang="en-US" dirty="0"/>
-              <a:t>Phase 1</a:t>
+              <a:t>Phase 2</a:t>
             </a:r>
           </a:p>
         </p:txBody>
@@ -14266,139 +13675,6 @@
               <a:rPr lang="en-US" smtClean="0"/>
               <a:pPr/>
               <a:t>5</a:t>
-            </a:fld>
-            <a:endParaRPr lang="en-US"/>
-          </a:p>
-        </p:txBody>
-      </p:sp>
-      <p:sp>
-        <p:nvSpPr>
-          <p:cNvPr id="3" name="TextBox 2">
-            <a:extLst>
-              <a:ext uri="{FF2B5EF4-FFF2-40B4-BE49-F238E27FC236}">
-                <a16:creationId xmlns:a16="http://schemas.microsoft.com/office/drawing/2014/main" id="{DF4A1AEA-A912-1D44-CABA-29D763490339}"/>
-              </a:ext>
-            </a:extLst>
-          </p:cNvPr>
-          <p:cNvSpPr txBox="1"/>
-          <p:nvPr/>
-        </p:nvSpPr>
-        <p:spPr>
-          <a:xfrm>
-            <a:off x="4425351" y="2598905"/>
-            <a:ext cx="3122762" cy="923330"/>
-          </a:xfrm>
-          <a:prstGeom prst="rect">
-            <a:avLst/>
-          </a:prstGeom>
-          <a:noFill/>
-        </p:spPr>
-        <p:txBody>
-          <a:bodyPr wrap="square" rtlCol="0">
-            <a:spAutoFit/>
-          </a:bodyPr>
-          <a:lstStyle/>
-          <a:p>
-            <a:r>
-              <a:rPr lang="en-CA" dirty="0"/>
-              <a:t>Any other pictures related to phase 1 add in this slide, if none delete this slide.</a:t>
-            </a:r>
-          </a:p>
-        </p:txBody>
-      </p:sp>
-    </p:spTree>
-    <p:extLst>
-      <p:ext uri="{BB962C8B-B14F-4D97-AF65-F5344CB8AC3E}">
-        <p14:creationId xmlns:p14="http://schemas.microsoft.com/office/powerpoint/2010/main" val="1071290117"/>
-      </p:ext>
-    </p:extLst>
-  </p:cSld>
-  <p:clrMapOvr>
-    <a:masterClrMapping/>
-  </p:clrMapOvr>
-</p:sld>
-</file>
-
-<file path=ppt/slides/slide6.xml><?xml version="1.0" encoding="utf-8"?>
-<p:sld xmlns:a="http://schemas.openxmlformats.org/drawingml/2006/main" xmlns:r="http://schemas.openxmlformats.org/officeDocument/2006/relationships" xmlns:p="http://schemas.openxmlformats.org/presentationml/2006/main">
-  <p:cSld>
-    <p:spTree>
-      <p:nvGrpSpPr>
-        <p:cNvPr id="1" name=""/>
-        <p:cNvGrpSpPr/>
-        <p:nvPr/>
-      </p:nvGrpSpPr>
-      <p:grpSpPr>
-        <a:xfrm>
-          <a:off x="0" y="0"/>
-          <a:ext cx="0" cy="0"/>
-          <a:chOff x="0" y="0"/>
-          <a:chExt cx="0" cy="0"/>
-        </a:xfrm>
-      </p:grpSpPr>
-      <p:sp>
-        <p:nvSpPr>
-          <p:cNvPr id="2" name="Title 1">
-            <a:extLst>
-              <a:ext uri="{FF2B5EF4-FFF2-40B4-BE49-F238E27FC236}">
-                <a16:creationId xmlns:a16="http://schemas.microsoft.com/office/drawing/2014/main" id="{FCB102D8-1D22-4940-AF19-07CF3A0DC5F4}"/>
-              </a:ext>
-            </a:extLst>
-          </p:cNvPr>
-          <p:cNvSpPr>
-            <a:spLocks noGrp="1"/>
-          </p:cNvSpPr>
-          <p:nvPr>
-            <p:ph type="title"/>
-          </p:nvPr>
-        </p:nvSpPr>
-        <p:spPr>
-          <a:xfrm>
-            <a:off x="550862" y="549275"/>
-            <a:ext cx="11091600" cy="1332000"/>
-          </a:xfrm>
-        </p:spPr>
-        <p:txBody>
-          <a:bodyPr/>
-          <a:lstStyle/>
-          <a:p>
-            <a:r>
-              <a:rPr lang="en-US" dirty="0"/>
-              <a:t>Phase 2</a:t>
-            </a:r>
-          </a:p>
-        </p:txBody>
-      </p:sp>
-      <p:sp>
-        <p:nvSpPr>
-          <p:cNvPr id="16" name="Slide Number Placeholder 15">
-            <a:extLst>
-              <a:ext uri="{FF2B5EF4-FFF2-40B4-BE49-F238E27FC236}">
-                <a16:creationId xmlns:a16="http://schemas.microsoft.com/office/drawing/2014/main" id="{3F8A62C8-5437-4C47-AC0F-0605F84CBA57}"/>
-              </a:ext>
-            </a:extLst>
-          </p:cNvPr>
-          <p:cNvSpPr>
-            <a:spLocks noGrp="1"/>
-          </p:cNvSpPr>
-          <p:nvPr>
-            <p:ph type="sldNum" sz="quarter" idx="12"/>
-          </p:nvPr>
-        </p:nvSpPr>
-        <p:spPr>
-          <a:xfrm>
-            <a:off x="9948863" y="6507212"/>
-            <a:ext cx="1692274" cy="153888"/>
-          </a:xfrm>
-        </p:spPr>
-        <p:txBody>
-          <a:bodyPr/>
-          <a:lstStyle/>
-          <a:p>
-            <a:fld id="{DBA1B0FB-D917-4C8C-928F-313BD683BF39}" type="slidenum">
-              <a:rPr lang="en-US" smtClean="0"/>
-              <a:pPr/>
-              <a:t>6</a:t>
             </a:fld>
             <a:endParaRPr lang="en-US"/>
           </a:p>
@@ -14513,6 +13789,203 @@
 </p:sld>
 </file>
 
+<file path=ppt/slides/slide6.xml><?xml version="1.0" encoding="utf-8"?>
+<p:sld xmlns:a="http://schemas.openxmlformats.org/drawingml/2006/main" xmlns:r="http://schemas.openxmlformats.org/officeDocument/2006/relationships" xmlns:p="http://schemas.openxmlformats.org/presentationml/2006/main">
+  <p:cSld>
+    <p:spTree>
+      <p:nvGrpSpPr>
+        <p:cNvPr id="1" name=""/>
+        <p:cNvGrpSpPr/>
+        <p:nvPr/>
+      </p:nvGrpSpPr>
+      <p:grpSpPr>
+        <a:xfrm>
+          <a:off x="0" y="0"/>
+          <a:ext cx="0" cy="0"/>
+          <a:chOff x="0" y="0"/>
+          <a:chExt cx="0" cy="0"/>
+        </a:xfrm>
+      </p:grpSpPr>
+      <p:sp>
+        <p:nvSpPr>
+          <p:cNvPr id="2" name="Title 1">
+            <a:extLst>
+              <a:ext uri="{FF2B5EF4-FFF2-40B4-BE49-F238E27FC236}">
+                <a16:creationId xmlns:a16="http://schemas.microsoft.com/office/drawing/2014/main" id="{FCB102D8-1D22-4940-AF19-07CF3A0DC5F4}"/>
+              </a:ext>
+            </a:extLst>
+          </p:cNvPr>
+          <p:cNvSpPr>
+            <a:spLocks noGrp="1"/>
+          </p:cNvSpPr>
+          <p:nvPr>
+            <p:ph type="title"/>
+          </p:nvPr>
+        </p:nvSpPr>
+        <p:spPr>
+          <a:xfrm>
+            <a:off x="550862" y="549275"/>
+            <a:ext cx="11091600" cy="1332000"/>
+          </a:xfrm>
+        </p:spPr>
+        <p:txBody>
+          <a:bodyPr/>
+          <a:lstStyle/>
+          <a:p>
+            <a:r>
+              <a:rPr lang="en-US" dirty="0"/>
+              <a:t>Phase 3</a:t>
+            </a:r>
+          </a:p>
+        </p:txBody>
+      </p:sp>
+      <p:sp>
+        <p:nvSpPr>
+          <p:cNvPr id="16" name="Slide Number Placeholder 15">
+            <a:extLst>
+              <a:ext uri="{FF2B5EF4-FFF2-40B4-BE49-F238E27FC236}">
+                <a16:creationId xmlns:a16="http://schemas.microsoft.com/office/drawing/2014/main" id="{3F8A62C8-5437-4C47-AC0F-0605F84CBA57}"/>
+              </a:ext>
+            </a:extLst>
+          </p:cNvPr>
+          <p:cNvSpPr>
+            <a:spLocks noGrp="1"/>
+          </p:cNvSpPr>
+          <p:nvPr>
+            <p:ph type="sldNum" sz="quarter" idx="12"/>
+          </p:nvPr>
+        </p:nvSpPr>
+        <p:spPr>
+          <a:xfrm>
+            <a:off x="9948863" y="6507212"/>
+            <a:ext cx="1692274" cy="153888"/>
+          </a:xfrm>
+        </p:spPr>
+        <p:txBody>
+          <a:bodyPr/>
+          <a:lstStyle/>
+          <a:p>
+            <a:fld id="{DBA1B0FB-D917-4C8C-928F-313BD683BF39}" type="slidenum">
+              <a:rPr lang="en-US" smtClean="0"/>
+              <a:pPr/>
+              <a:t>6</a:t>
+            </a:fld>
+            <a:endParaRPr lang="en-US"/>
+          </a:p>
+        </p:txBody>
+      </p:sp>
+      <p:sp>
+        <p:nvSpPr>
+          <p:cNvPr id="4" name="Content Placeholder 3">
+            <a:extLst>
+              <a:ext uri="{FF2B5EF4-FFF2-40B4-BE49-F238E27FC236}">
+                <a16:creationId xmlns:a16="http://schemas.microsoft.com/office/drawing/2014/main" id="{CBCA4FF1-301A-91E5-E938-C3E7853F4E73}"/>
+              </a:ext>
+            </a:extLst>
+          </p:cNvPr>
+          <p:cNvSpPr>
+            <a:spLocks noGrp="1"/>
+          </p:cNvSpPr>
+          <p:nvPr>
+            <p:ph idx="1"/>
+          </p:nvPr>
+        </p:nvSpPr>
+        <p:spPr>
+          <a:xfrm>
+            <a:off x="550863" y="2113199"/>
+            <a:ext cx="4909658" cy="4028809"/>
+          </a:xfrm>
+        </p:spPr>
+        <p:txBody>
+          <a:bodyPr/>
+          <a:lstStyle/>
+          <a:p>
+            <a:r>
+              <a:rPr lang="en-CA" dirty="0"/>
+              <a:t>The main purpose of this phase was to capture data from a photoresistor to the RPI using the MQTT broker(WIFI).</a:t>
+            </a:r>
+          </a:p>
+          <a:p>
+            <a:r>
+              <a:rPr lang="en-CA" dirty="0"/>
+              <a:t>A database was also created</a:t>
+            </a:r>
+          </a:p>
+          <a:p>
+            <a:endParaRPr lang="en-CA" dirty="0"/>
+          </a:p>
+          <a:p>
+            <a:endParaRPr lang="en-CA" dirty="0"/>
+          </a:p>
+          <a:p>
+            <a:pPr marL="0" indent="0">
+              <a:buNone/>
+            </a:pPr>
+            <a:endParaRPr lang="en-CA" dirty="0"/>
+          </a:p>
+          <a:p>
+            <a:pPr marL="0" indent="0">
+              <a:buNone/>
+            </a:pPr>
+            <a:endParaRPr lang="en-CA" dirty="0"/>
+          </a:p>
+          <a:p>
+            <a:pPr marL="0" indent="0">
+              <a:buNone/>
+            </a:pPr>
+            <a:endParaRPr lang="en-CA" dirty="0"/>
+          </a:p>
+          <a:p>
+            <a:pPr marL="0" indent="0">
+              <a:buNone/>
+            </a:pPr>
+            <a:endParaRPr lang="en-CA" dirty="0"/>
+          </a:p>
+        </p:txBody>
+      </p:sp>
+      <p:pic>
+        <p:nvPicPr>
+          <p:cNvPr id="8" name="Picture 7" descr="Diagram&#10;&#10;Description automatically generated">
+            <a:extLst>
+              <a:ext uri="{FF2B5EF4-FFF2-40B4-BE49-F238E27FC236}">
+                <a16:creationId xmlns:a16="http://schemas.microsoft.com/office/drawing/2014/main" id="{9E2777FF-F273-E604-A918-82A58732D1BF}"/>
+              </a:ext>
+            </a:extLst>
+          </p:cNvPr>
+          <p:cNvPicPr>
+            <a:picLocks noChangeAspect="1"/>
+          </p:cNvPicPr>
+          <p:nvPr/>
+        </p:nvPicPr>
+        <p:blipFill>
+          <a:blip r:embed="rId2"/>
+          <a:stretch>
+            <a:fillRect/>
+          </a:stretch>
+        </p:blipFill>
+        <p:spPr>
+          <a:xfrm>
+            <a:off x="7246961" y="2113198"/>
+            <a:ext cx="3740372" cy="2103959"/>
+          </a:xfrm>
+          <a:prstGeom prst="rect">
+            <a:avLst/>
+          </a:prstGeom>
+        </p:spPr>
+      </p:pic>
+    </p:spTree>
+    <p:extLst>
+      <p:ext uri="{BB962C8B-B14F-4D97-AF65-F5344CB8AC3E}">
+        <p14:creationId xmlns:p14="http://schemas.microsoft.com/office/powerpoint/2010/main" val="4081157310"/>
+      </p:ext>
+    </p:extLst>
+  </p:cSld>
+  <p:clrMapOvr>
+    <a:masterClrMapping/>
+  </p:clrMapOvr>
+</p:sld>
+</file>
+
 <file path=ppt/slides/slide7.xml><?xml version="1.0" encoding="utf-8"?>
 <p:sld xmlns:a="http://schemas.openxmlformats.org/drawingml/2006/main" xmlns:r="http://schemas.openxmlformats.org/officeDocument/2006/relationships" xmlns:p="http://schemas.openxmlformats.org/presentationml/2006/main">
   <p:cSld>
@@ -14558,7 +14031,7 @@
           <a:p>
             <a:r>
               <a:rPr lang="en-US" dirty="0"/>
-              <a:t>Phase 2</a:t>
+              <a:t>Phase 4</a:t>
             </a:r>
           </a:p>
         </p:txBody>
@@ -14600,43 +14073,113 @@
       </p:sp>
       <p:sp>
         <p:nvSpPr>
-          <p:cNvPr id="3" name="TextBox 2">
-            <a:extLst>
-              <a:ext uri="{FF2B5EF4-FFF2-40B4-BE49-F238E27FC236}">
-                <a16:creationId xmlns:a16="http://schemas.microsoft.com/office/drawing/2014/main" id="{DF4A1AEA-A912-1D44-CABA-29D763490339}"/>
-              </a:ext>
-            </a:extLst>
-          </p:cNvPr>
-          <p:cNvSpPr txBox="1"/>
-          <p:nvPr/>
+          <p:cNvPr id="4" name="Content Placeholder 3">
+            <a:extLst>
+              <a:ext uri="{FF2B5EF4-FFF2-40B4-BE49-F238E27FC236}">
+                <a16:creationId xmlns:a16="http://schemas.microsoft.com/office/drawing/2014/main" id="{CBCA4FF1-301A-91E5-E938-C3E7853F4E73}"/>
+              </a:ext>
+            </a:extLst>
+          </p:cNvPr>
+          <p:cNvSpPr>
+            <a:spLocks noGrp="1"/>
+          </p:cNvSpPr>
+          <p:nvPr>
+            <p:ph idx="1"/>
+          </p:nvPr>
         </p:nvSpPr>
         <p:spPr>
           <a:xfrm>
-            <a:off x="4425351" y="2598905"/>
-            <a:ext cx="3122762" cy="923330"/>
+            <a:off x="550863" y="2113199"/>
+            <a:ext cx="4909658" cy="4028809"/>
+          </a:xfrm>
+        </p:spPr>
+        <p:txBody>
+          <a:bodyPr/>
+          <a:lstStyle/>
+          <a:p>
+            <a:pPr marL="0" indent="0">
+              <a:buNone/>
+            </a:pPr>
+            <a:r>
+              <a:rPr lang="en-CA" b="1" u="sng" dirty="0"/>
+              <a:t>Task 1</a:t>
+            </a:r>
+          </a:p>
+          <a:p>
+            <a:r>
+              <a:rPr lang="en-CA" dirty="0"/>
+              <a:t>The purpose of this task was to create a user profile. In which, an assigned RFID tag number is given. Any information related to the RFID is sent using the MQTT broker.</a:t>
+            </a:r>
+          </a:p>
+          <a:p>
+            <a:pPr marL="0" indent="0">
+              <a:buNone/>
+            </a:pPr>
+            <a:r>
+              <a:rPr lang="en-CA" b="1" u="sng" dirty="0"/>
+              <a:t>Task 2</a:t>
+            </a:r>
+          </a:p>
+          <a:p>
+            <a:r>
+              <a:rPr lang="en-CA" dirty="0"/>
+              <a:t>The purpose of this task was to count the number of Bluetooth devices-enables nearby.</a:t>
+            </a:r>
+          </a:p>
+          <a:p>
+            <a:pPr marL="0" indent="0">
+              <a:buNone/>
+            </a:pPr>
+            <a:endParaRPr lang="en-CA" dirty="0"/>
+          </a:p>
+          <a:p>
+            <a:pPr marL="0" indent="0">
+              <a:buNone/>
+            </a:pPr>
+            <a:endParaRPr lang="en-CA" dirty="0"/>
+          </a:p>
+          <a:p>
+            <a:pPr marL="0" indent="0">
+              <a:buNone/>
+            </a:pPr>
+            <a:endParaRPr lang="en-CA" dirty="0"/>
+          </a:p>
+        </p:txBody>
+      </p:sp>
+      <p:pic>
+        <p:nvPicPr>
+          <p:cNvPr id="7" name="Picture 6">
+            <a:extLst>
+              <a:ext uri="{FF2B5EF4-FFF2-40B4-BE49-F238E27FC236}">
+                <a16:creationId xmlns:a16="http://schemas.microsoft.com/office/drawing/2014/main" id="{EE27D61E-A459-FFDF-7649-A9EB4D4457A2}"/>
+              </a:ext>
+            </a:extLst>
+          </p:cNvPr>
+          <p:cNvPicPr>
+            <a:picLocks noChangeAspect="1"/>
+          </p:cNvPicPr>
+          <p:nvPr/>
+        </p:nvPicPr>
+        <p:blipFill>
+          <a:blip r:embed="rId2"/>
+          <a:stretch>
+            <a:fillRect/>
+          </a:stretch>
+        </p:blipFill>
+        <p:spPr>
+          <a:xfrm>
+            <a:off x="6630363" y="2217074"/>
+            <a:ext cx="5010774" cy="1607735"/>
           </a:xfrm>
           <a:prstGeom prst="rect">
             <a:avLst/>
           </a:prstGeom>
-          <a:noFill/>
         </p:spPr>
-        <p:txBody>
-          <a:bodyPr wrap="square" rtlCol="0">
-            <a:spAutoFit/>
-          </a:bodyPr>
-          <a:lstStyle/>
-          <a:p>
-            <a:r>
-              <a:rPr lang="en-CA" dirty="0"/>
-              <a:t>Any other pictures related to phase 2 add in this slide, if none delete this slide.</a:t>
-            </a:r>
-          </a:p>
-        </p:txBody>
-      </p:sp>
+      </p:pic>
     </p:spTree>
     <p:extLst>
       <p:ext uri="{BB962C8B-B14F-4D97-AF65-F5344CB8AC3E}">
-        <p14:creationId xmlns:p14="http://schemas.microsoft.com/office/powerpoint/2010/main" val="2974824634"/>
+        <p14:creationId xmlns:p14="http://schemas.microsoft.com/office/powerpoint/2010/main" val="1821801828"/>
       </p:ext>
     </p:extLst>
   </p:cSld>
@@ -14665,10 +14208,10 @@
       </p:grpSpPr>
       <p:sp>
         <p:nvSpPr>
-          <p:cNvPr id="2" name="Title 1">
-            <a:extLst>
-              <a:ext uri="{FF2B5EF4-FFF2-40B4-BE49-F238E27FC236}">
-                <a16:creationId xmlns:a16="http://schemas.microsoft.com/office/drawing/2014/main" id="{FCB102D8-1D22-4940-AF19-07CF3A0DC5F4}"/>
+          <p:cNvPr id="22" name="Title 21">
+            <a:extLst>
+              <a:ext uri="{FF2B5EF4-FFF2-40B4-BE49-F238E27FC236}">
+                <a16:creationId xmlns:a16="http://schemas.microsoft.com/office/drawing/2014/main" id="{F8FAEED9-1ECD-45F9-87A0-9394BAEABB79}"/>
               </a:ext>
             </a:extLst>
           </p:cNvPr>
@@ -14676,13 +14219,13 @@
             <a:spLocks noGrp="1"/>
           </p:cNvSpPr>
           <p:nvPr>
-            <p:ph type="title"/>
+            <p:ph type="ctrTitle"/>
           </p:nvPr>
         </p:nvSpPr>
         <p:spPr>
           <a:xfrm>
-            <a:off x="550862" y="549275"/>
-            <a:ext cx="11091600" cy="1332000"/>
+            <a:off x="550863" y="549275"/>
+            <a:ext cx="5437187" cy="2986234"/>
           </a:xfrm>
         </p:spPr>
         <p:txBody>
@@ -14691,17 +14234,135 @@
           <a:p>
             <a:r>
               <a:rPr lang="en-US" dirty="0"/>
-              <a:t>Phase 3</a:t>
-            </a:r>
-          </a:p>
-        </p:txBody>
-      </p:sp>
-      <p:sp>
-        <p:nvSpPr>
-          <p:cNvPr id="16" name="Slide Number Placeholder 15">
-            <a:extLst>
-              <a:ext uri="{FF2B5EF4-FFF2-40B4-BE49-F238E27FC236}">
-                <a16:creationId xmlns:a16="http://schemas.microsoft.com/office/drawing/2014/main" id="{3F8A62C8-5437-4C47-AC0F-0605F84CBA57}"/>
+              <a:t>Thank You</a:t>
+            </a:r>
+          </a:p>
+        </p:txBody>
+      </p:sp>
+      <p:sp>
+        <p:nvSpPr>
+          <p:cNvPr id="23" name="Subtitle 22">
+            <a:extLst>
+              <a:ext uri="{FF2B5EF4-FFF2-40B4-BE49-F238E27FC236}">
+                <a16:creationId xmlns:a16="http://schemas.microsoft.com/office/drawing/2014/main" id="{8E5E4638-9BCB-4C2E-914F-CC868E2020D5}"/>
+              </a:ext>
+            </a:extLst>
+          </p:cNvPr>
+          <p:cNvSpPr>
+            <a:spLocks noGrp="1"/>
+          </p:cNvSpPr>
+          <p:nvPr>
+            <p:ph type="subTitle" idx="1"/>
+          </p:nvPr>
+        </p:nvSpPr>
+        <p:spPr>
+          <a:xfrm>
+            <a:off x="550863" y="3827610"/>
+            <a:ext cx="5437187" cy="2265216"/>
+          </a:xfrm>
+        </p:spPr>
+        <p:txBody>
+          <a:bodyPr/>
+          <a:lstStyle/>
+          <a:p>
+            <a:r>
+              <a:rPr lang="en-US" dirty="0"/>
+              <a:t>Christopher Benson</a:t>
+            </a:r>
+          </a:p>
+          <a:p>
+            <a:r>
+              <a:rPr lang="en-US" dirty="0"/>
+              <a:t>Igor </a:t>
+            </a:r>
+            <a:r>
+              <a:rPr lang="en-US" dirty="0" err="1"/>
+              <a:t>Raigorodskyi</a:t>
+            </a:r>
+            <a:endParaRPr lang="en-US" dirty="0"/>
+          </a:p>
+          <a:p>
+            <a:r>
+              <a:rPr lang="en-US" dirty="0"/>
+              <a:t>Theodore Tsimiklis</a:t>
+            </a:r>
+          </a:p>
+        </p:txBody>
+      </p:sp>
+      <p:pic>
+        <p:nvPicPr>
+          <p:cNvPr id="27" name="Picture Placeholder 26" descr="Data Points Digital background">
+            <a:extLst>
+              <a:ext uri="{FF2B5EF4-FFF2-40B4-BE49-F238E27FC236}">
+                <a16:creationId xmlns:a16="http://schemas.microsoft.com/office/drawing/2014/main" id="{9E660784-34E2-4CDA-926A-DDD6AAF35046}"/>
+              </a:ext>
+            </a:extLst>
+          </p:cNvPr>
+          <p:cNvPicPr>
+            <a:picLocks noGrp="1" noChangeAspect="1"/>
+          </p:cNvPicPr>
+          <p:nvPr>
+            <p:ph type="pic" sz="quarter" idx="15"/>
+          </p:nvPr>
+        </p:nvPicPr>
+        <p:blipFill rotWithShape="1">
+          <a:blip r:embed="rId2" cstate="screen">
+            <a:extLst>
+              <a:ext uri="{28A0092B-C50C-407E-A947-70E740481C1C}">
+                <a14:useLocalDpi xmlns:a14="http://schemas.microsoft.com/office/drawing/2010/main" val="0"/>
+              </a:ext>
+            </a:extLst>
+          </a:blip>
+          <a:srcRect/>
+          <a:stretch/>
+        </p:blipFill>
+        <p:spPr>
+          <a:xfrm>
+            <a:off x="6556248" y="548640"/>
+            <a:ext cx="5084064" cy="2880360"/>
+          </a:xfrm>
+        </p:spPr>
+      </p:pic>
+      <p:pic>
+        <p:nvPicPr>
+          <p:cNvPr id="33" name="Picture Placeholder 32" descr="Data Points Digital background">
+            <a:extLst>
+              <a:ext uri="{FF2B5EF4-FFF2-40B4-BE49-F238E27FC236}">
+                <a16:creationId xmlns:a16="http://schemas.microsoft.com/office/drawing/2014/main" id="{48106962-23C6-4DFE-BB3A-E5FFF03F38CE}"/>
+              </a:ext>
+            </a:extLst>
+          </p:cNvPr>
+          <p:cNvPicPr>
+            <a:picLocks noGrp="1" noChangeAspect="1"/>
+          </p:cNvPicPr>
+          <p:nvPr>
+            <p:ph type="pic" sz="quarter" idx="16"/>
+          </p:nvPr>
+        </p:nvPicPr>
+        <p:blipFill rotWithShape="1">
+          <a:blip r:embed="rId3" cstate="screen">
+            <a:extLst>
+              <a:ext uri="{28A0092B-C50C-407E-A947-70E740481C1C}">
+                <a14:useLocalDpi xmlns:a14="http://schemas.microsoft.com/office/drawing/2010/main" val="0"/>
+              </a:ext>
+            </a:extLst>
+          </a:blip>
+          <a:srcRect/>
+          <a:stretch/>
+        </p:blipFill>
+        <p:spPr>
+          <a:xfrm>
+            <a:off x="6556248" y="3429000"/>
+            <a:ext cx="5084064" cy="2880360"/>
+          </a:xfrm>
+        </p:spPr>
+      </p:pic>
+      <p:sp>
+        <p:nvSpPr>
+          <p:cNvPr id="6" name="Slide Number Placeholder 5">
+            <a:extLst>
+              <a:ext uri="{FF2B5EF4-FFF2-40B4-BE49-F238E27FC236}">
+                <a16:creationId xmlns:a16="http://schemas.microsoft.com/office/drawing/2014/main" id="{36E60F23-FB58-4EF8-82FD-E86CED25FDD4}"/>
               </a:ext>
             </a:extLst>
           </p:cNvPr>
@@ -14731,247 +14392,10 @@
           </a:p>
         </p:txBody>
       </p:sp>
-      <p:sp>
-        <p:nvSpPr>
-          <p:cNvPr id="4" name="Content Placeholder 3">
-            <a:extLst>
-              <a:ext uri="{FF2B5EF4-FFF2-40B4-BE49-F238E27FC236}">
-                <a16:creationId xmlns:a16="http://schemas.microsoft.com/office/drawing/2014/main" id="{CBCA4FF1-301A-91E5-E938-C3E7853F4E73}"/>
-              </a:ext>
-            </a:extLst>
-          </p:cNvPr>
-          <p:cNvSpPr>
-            <a:spLocks noGrp="1"/>
-          </p:cNvSpPr>
-          <p:nvPr>
-            <p:ph idx="1"/>
-          </p:nvPr>
-        </p:nvSpPr>
-        <p:spPr>
-          <a:xfrm>
-            <a:off x="550863" y="2113199"/>
-            <a:ext cx="4909658" cy="4028809"/>
-          </a:xfrm>
-        </p:spPr>
-        <p:txBody>
-          <a:bodyPr/>
-          <a:lstStyle/>
-          <a:p>
-            <a:r>
-              <a:rPr lang="en-CA" dirty="0"/>
-              <a:t>The main purpose of this phase was to capture data from a photoresistor to the RPI using the MQTT broker(WIFI).</a:t>
-            </a:r>
-          </a:p>
-          <a:p>
-            <a:r>
-              <a:rPr lang="en-CA" dirty="0"/>
-              <a:t>A database was also created</a:t>
-            </a:r>
-          </a:p>
-          <a:p>
-            <a:endParaRPr lang="en-CA" dirty="0"/>
-          </a:p>
-          <a:p>
-            <a:endParaRPr lang="en-CA" dirty="0"/>
-          </a:p>
-          <a:p>
-            <a:pPr marL="0" indent="0">
-              <a:buNone/>
-            </a:pPr>
-            <a:endParaRPr lang="en-CA" dirty="0"/>
-          </a:p>
-          <a:p>
-            <a:pPr marL="0" indent="0">
-              <a:buNone/>
-            </a:pPr>
-            <a:endParaRPr lang="en-CA" dirty="0"/>
-          </a:p>
-          <a:p>
-            <a:pPr marL="0" indent="0">
-              <a:buNone/>
-            </a:pPr>
-            <a:endParaRPr lang="en-CA" dirty="0"/>
-          </a:p>
-          <a:p>
-            <a:pPr marL="0" indent="0">
-              <a:buNone/>
-            </a:pPr>
-            <a:endParaRPr lang="en-CA" dirty="0"/>
-          </a:p>
-        </p:txBody>
-      </p:sp>
-      <p:sp>
-        <p:nvSpPr>
-          <p:cNvPr id="5" name="TextBox 4">
-            <a:extLst>
-              <a:ext uri="{FF2B5EF4-FFF2-40B4-BE49-F238E27FC236}">
-                <a16:creationId xmlns:a16="http://schemas.microsoft.com/office/drawing/2014/main" id="{CDC71614-5B66-AED7-1D2E-0197AA543FF8}"/>
-              </a:ext>
-            </a:extLst>
-          </p:cNvPr>
-          <p:cNvSpPr txBox="1"/>
-          <p:nvPr/>
-        </p:nvSpPr>
-        <p:spPr>
-          <a:xfrm>
-            <a:off x="8074325" y="2850181"/>
-            <a:ext cx="3122762" cy="646331"/>
-          </a:xfrm>
-          <a:prstGeom prst="rect">
-            <a:avLst/>
-          </a:prstGeom>
-          <a:noFill/>
-        </p:spPr>
-        <p:txBody>
-          <a:bodyPr wrap="square" rtlCol="0">
-            <a:spAutoFit/>
-          </a:bodyPr>
-          <a:lstStyle/>
-          <a:p>
-            <a:r>
-              <a:rPr lang="en-CA" dirty="0"/>
-              <a:t>ADD Picture of Phase 3 part of dashboard</a:t>
-            </a:r>
-          </a:p>
-        </p:txBody>
-      </p:sp>
     </p:spTree>
     <p:extLst>
       <p:ext uri="{BB962C8B-B14F-4D97-AF65-F5344CB8AC3E}">
-        <p14:creationId xmlns:p14="http://schemas.microsoft.com/office/powerpoint/2010/main" val="4081157310"/>
-      </p:ext>
-    </p:extLst>
-  </p:cSld>
-  <p:clrMapOvr>
-    <a:masterClrMapping/>
-  </p:clrMapOvr>
-</p:sld>
-</file>
-
-<file path=ppt/slides/slide9.xml><?xml version="1.0" encoding="utf-8"?>
-<p:sld xmlns:a="http://schemas.openxmlformats.org/drawingml/2006/main" xmlns:r="http://schemas.openxmlformats.org/officeDocument/2006/relationships" xmlns:p="http://schemas.openxmlformats.org/presentationml/2006/main">
-  <p:cSld>
-    <p:spTree>
-      <p:nvGrpSpPr>
-        <p:cNvPr id="1" name=""/>
-        <p:cNvGrpSpPr/>
-        <p:nvPr/>
-      </p:nvGrpSpPr>
-      <p:grpSpPr>
-        <a:xfrm>
-          <a:off x="0" y="0"/>
-          <a:ext cx="0" cy="0"/>
-          <a:chOff x="0" y="0"/>
-          <a:chExt cx="0" cy="0"/>
-        </a:xfrm>
-      </p:grpSpPr>
-      <p:sp>
-        <p:nvSpPr>
-          <p:cNvPr id="2" name="Title 1">
-            <a:extLst>
-              <a:ext uri="{FF2B5EF4-FFF2-40B4-BE49-F238E27FC236}">
-                <a16:creationId xmlns:a16="http://schemas.microsoft.com/office/drawing/2014/main" id="{FCB102D8-1D22-4940-AF19-07CF3A0DC5F4}"/>
-              </a:ext>
-            </a:extLst>
-          </p:cNvPr>
-          <p:cNvSpPr>
-            <a:spLocks noGrp="1"/>
-          </p:cNvSpPr>
-          <p:nvPr>
-            <p:ph type="title"/>
-          </p:nvPr>
-        </p:nvSpPr>
-        <p:spPr>
-          <a:xfrm>
-            <a:off x="550862" y="549275"/>
-            <a:ext cx="11091600" cy="1332000"/>
-          </a:xfrm>
-        </p:spPr>
-        <p:txBody>
-          <a:bodyPr/>
-          <a:lstStyle/>
-          <a:p>
-            <a:r>
-              <a:rPr lang="en-US" dirty="0"/>
-              <a:t>Phase 3</a:t>
-            </a:r>
-          </a:p>
-        </p:txBody>
-      </p:sp>
-      <p:sp>
-        <p:nvSpPr>
-          <p:cNvPr id="16" name="Slide Number Placeholder 15">
-            <a:extLst>
-              <a:ext uri="{FF2B5EF4-FFF2-40B4-BE49-F238E27FC236}">
-                <a16:creationId xmlns:a16="http://schemas.microsoft.com/office/drawing/2014/main" id="{3F8A62C8-5437-4C47-AC0F-0605F84CBA57}"/>
-              </a:ext>
-            </a:extLst>
-          </p:cNvPr>
-          <p:cNvSpPr>
-            <a:spLocks noGrp="1"/>
-          </p:cNvSpPr>
-          <p:nvPr>
-            <p:ph type="sldNum" sz="quarter" idx="12"/>
-          </p:nvPr>
-        </p:nvSpPr>
-        <p:spPr>
-          <a:xfrm>
-            <a:off x="9948863" y="6507212"/>
-            <a:ext cx="1692274" cy="153888"/>
-          </a:xfrm>
-        </p:spPr>
-        <p:txBody>
-          <a:bodyPr/>
-          <a:lstStyle/>
-          <a:p>
-            <a:fld id="{DBA1B0FB-D917-4C8C-928F-313BD683BF39}" type="slidenum">
-              <a:rPr lang="en-US" smtClean="0"/>
-              <a:pPr/>
-              <a:t>9</a:t>
-            </a:fld>
-            <a:endParaRPr lang="en-US"/>
-          </a:p>
-        </p:txBody>
-      </p:sp>
-      <p:sp>
-        <p:nvSpPr>
-          <p:cNvPr id="3" name="TextBox 2">
-            <a:extLst>
-              <a:ext uri="{FF2B5EF4-FFF2-40B4-BE49-F238E27FC236}">
-                <a16:creationId xmlns:a16="http://schemas.microsoft.com/office/drawing/2014/main" id="{DF4A1AEA-A912-1D44-CABA-29D763490339}"/>
-              </a:ext>
-            </a:extLst>
-          </p:cNvPr>
-          <p:cNvSpPr txBox="1"/>
-          <p:nvPr/>
-        </p:nvSpPr>
-        <p:spPr>
-          <a:xfrm>
-            <a:off x="4425351" y="2598905"/>
-            <a:ext cx="3122762" cy="923330"/>
-          </a:xfrm>
-          <a:prstGeom prst="rect">
-            <a:avLst/>
-          </a:prstGeom>
-          <a:noFill/>
-        </p:spPr>
-        <p:txBody>
-          <a:bodyPr wrap="square" rtlCol="0">
-            <a:spAutoFit/>
-          </a:bodyPr>
-          <a:lstStyle/>
-          <a:p>
-            <a:r>
-              <a:rPr lang="en-CA" dirty="0"/>
-              <a:t>Any other pictures related to phase 3 add in this slide, if none delete this slide.</a:t>
-            </a:r>
-          </a:p>
-        </p:txBody>
-      </p:sp>
-    </p:spTree>
-    <p:extLst>
-      <p:ext uri="{BB962C8B-B14F-4D97-AF65-F5344CB8AC3E}">
-        <p14:creationId xmlns:p14="http://schemas.microsoft.com/office/powerpoint/2010/main" val="2345489338"/>
+        <p14:creationId xmlns:p14="http://schemas.microsoft.com/office/powerpoint/2010/main" val="3247798845"/>
       </p:ext>
     </p:extLst>
   </p:cSld>
@@ -15773,6 +15197,15 @@
 </file>
 
 <file path=customXml/item1.xml><?xml version="1.0" encoding="utf-8"?>
+<?mso-contentType ?>
+<FormTemplates xmlns="http://schemas.microsoft.com/sharepoint/v3/contenttype/forms">
+  <Display>DocumentLibraryForm</Display>
+  <Edit>DocumentLibraryForm</Edit>
+  <New>DocumentLibraryForm</New>
+</FormTemplates>
+</file>
+
+<file path=customXml/item2.xml><?xml version="1.0" encoding="utf-8"?>
 <ct:contentTypeSchema xmlns:ct="http://schemas.microsoft.com/office/2006/metadata/contentType" xmlns:ma="http://schemas.microsoft.com/office/2006/metadata/properties/metaAttributes" ct:_="" ma:_="" ma:contentTypeName="Document" ma:contentTypeID="0x01010079F111ED35F8CC479449609E8A0923A6" ma:contentTypeVersion="18" ma:contentTypeDescription="Create a new document." ma:contentTypeScope="" ma:versionID="22a266b9fa9a230c5a512669d8b298c3">
   <xsd:schema xmlns:xsd="http://www.w3.org/2001/XMLSchema" xmlns:xs="http://www.w3.org/2001/XMLSchema" xmlns:p="http://schemas.microsoft.com/office/2006/metadata/properties" xmlns:ns1="http://schemas.microsoft.com/sharepoint/v3" xmlns:ns2="71af3243-3dd4-4a8d-8c0d-dd76da1f02a5" xmlns:ns3="16c05727-aa75-4e4a-9b5f-8a80a1165891" xmlns:ns4="230e9df3-be65-4c73-a93b-d1236ebd677e" targetNamespace="http://schemas.microsoft.com/office/2006/metadata/properties" ma:root="true" ma:fieldsID="eddc33fff6b14141ee5c74a0d29ea6a1" ns1:_="" ns2:_="" ns3:_="" ns4:_="">
     <xsd:import namespace="http://schemas.microsoft.com/sharepoint/v3"/>
@@ -16048,15 +15481,6 @@
 </ct:contentTypeSchema>
 </file>
 
-<file path=customXml/item2.xml><?xml version="1.0" encoding="utf-8"?>
-<?mso-contentType ?>
-<FormTemplates xmlns="http://schemas.microsoft.com/sharepoint/v3/contenttype/forms">
-  <Display>DocumentLibraryForm</Display>
-  <Edit>DocumentLibraryForm</Edit>
-  <New>DocumentLibraryForm</New>
-</FormTemplates>
-</file>
-
 <file path=customXml/item3.xml><?xml version="1.0" encoding="utf-8"?>
 <p:properties xmlns:p="http://schemas.microsoft.com/office/2006/metadata/properties" xmlns:xsi="http://www.w3.org/2001/XMLSchema-instance" xmlns:pc="http://schemas.microsoft.com/office/infopath/2007/PartnerControls">
   <documentManagement>
@@ -16077,6 +15501,14 @@
 </file>
 
 <file path=customXml/itemProps1.xml><?xml version="1.0" encoding="utf-8"?>
+<ds:datastoreItem xmlns:ds="http://schemas.openxmlformats.org/officeDocument/2006/customXml" ds:itemID="{904751AB-E840-446F-8D49-E697067EC887}">
+  <ds:schemaRefs>
+    <ds:schemaRef ds:uri="http://schemas.microsoft.com/sharepoint/v3/contenttype/forms"/>
+  </ds:schemaRefs>
+</ds:datastoreItem>
+</file>
+
+<file path=customXml/itemProps2.xml><?xml version="1.0" encoding="utf-8"?>
 <ds:datastoreItem xmlns:ds="http://schemas.openxmlformats.org/officeDocument/2006/customXml" ds:itemID="{DE4876F9-7AE1-498D-B8FE-1E3AD703D2AF}">
   <ds:schemaRefs>
     <ds:schemaRef ds:uri="http://schemas.microsoft.com/office/2006/metadata/contentType"/>
@@ -16093,14 +15525,6 @@
     <ds:schemaRef ds:uri="http://purl.org/dc/elements/1.1/"/>
     <ds:schemaRef ds:uri="http://purl.org/dc/terms/"/>
     <ds:schemaRef ds:uri="http://schemas.microsoft.com/internal/obd"/>
-  </ds:schemaRefs>
-</ds:datastoreItem>
-</file>
-
-<file path=customXml/itemProps2.xml><?xml version="1.0" encoding="utf-8"?>
-<ds:datastoreItem xmlns:ds="http://schemas.openxmlformats.org/officeDocument/2006/customXml" ds:itemID="{904751AB-E840-446F-8D49-E697067EC887}">
-  <ds:schemaRefs>
-    <ds:schemaRef ds:uri="http://schemas.microsoft.com/sharepoint/v3/contenttype/forms"/>
   </ds:schemaRefs>
 </ds:datastoreItem>
 </file>

--- a/IOT_Powerpoint_Presentation.pptx
+++ b/IOT_Powerpoint_Presentation.pptx
@@ -233,7 +233,7 @@
           <a:p>
             <a:fld id="{C17F2C1D-F243-42AB-ADF2-E7CB4E04900E}" type="datetimeFigureOut">
               <a:rPr lang="en-US" smtClean="0"/>
-              <a:t>12/4/2022</a:t>
+              <a:t>12/6/2022</a:t>
             </a:fld>
             <a:endParaRPr lang="en-US"/>
           </a:p>
@@ -410,7 +410,7 @@
           <a:p>
             <a:fld id="{020CE34E-5667-4A32-A6BA-10C7A552BC63}" type="datetimeFigureOut">
               <a:rPr lang="en-US" smtClean="0"/>
-              <a:t>12/4/2022</a:t>
+              <a:t>12/6/2022</a:t>
             </a:fld>
             <a:endParaRPr lang="en-US"/>
           </a:p>
@@ -13523,8 +13523,13 @@
           <a:p>
             <a:r>
               <a:rPr lang="en-CA" dirty="0"/>
-              <a:t>The Difficulty of implementation was fairly easy as it only required us to capture the data from the web app and send it directly to the Raspberry-Pi which we did using Flask.</a:t>
-            </a:r>
+              <a:t>The Difficulty of implementation was fairly easy as it only required us to capture the data from the web app and send it directly to </a:t>
+            </a:r>
+            <a:r>
+              <a:rPr lang="en-CA"/>
+              <a:t>the Raspberry-Pi.</a:t>
+            </a:r>
+            <a:endParaRPr lang="en-CA" dirty="0"/>
           </a:p>
           <a:p>
             <a:pPr marL="0" indent="0">
@@ -15197,15 +15202,6 @@
 </file>
 
 <file path=customXml/item1.xml><?xml version="1.0" encoding="utf-8"?>
-<?mso-contentType ?>
-<FormTemplates xmlns="http://schemas.microsoft.com/sharepoint/v3/contenttype/forms">
-  <Display>DocumentLibraryForm</Display>
-  <Edit>DocumentLibraryForm</Edit>
-  <New>DocumentLibraryForm</New>
-</FormTemplates>
-</file>
-
-<file path=customXml/item2.xml><?xml version="1.0" encoding="utf-8"?>
 <ct:contentTypeSchema xmlns:ct="http://schemas.microsoft.com/office/2006/metadata/contentType" xmlns:ma="http://schemas.microsoft.com/office/2006/metadata/properties/metaAttributes" ct:_="" ma:_="" ma:contentTypeName="Document" ma:contentTypeID="0x01010079F111ED35F8CC479449609E8A0923A6" ma:contentTypeVersion="18" ma:contentTypeDescription="Create a new document." ma:contentTypeScope="" ma:versionID="22a266b9fa9a230c5a512669d8b298c3">
   <xsd:schema xmlns:xsd="http://www.w3.org/2001/XMLSchema" xmlns:xs="http://www.w3.org/2001/XMLSchema" xmlns:p="http://schemas.microsoft.com/office/2006/metadata/properties" xmlns:ns1="http://schemas.microsoft.com/sharepoint/v3" xmlns:ns2="71af3243-3dd4-4a8d-8c0d-dd76da1f02a5" xmlns:ns3="16c05727-aa75-4e4a-9b5f-8a80a1165891" xmlns:ns4="230e9df3-be65-4c73-a93b-d1236ebd677e" targetNamespace="http://schemas.microsoft.com/office/2006/metadata/properties" ma:root="true" ma:fieldsID="eddc33fff6b14141ee5c74a0d29ea6a1" ns1:_="" ns2:_="" ns3:_="" ns4:_="">
     <xsd:import namespace="http://schemas.microsoft.com/sharepoint/v3"/>
@@ -15481,6 +15477,15 @@
 </ct:contentTypeSchema>
 </file>
 
+<file path=customXml/item2.xml><?xml version="1.0" encoding="utf-8"?>
+<?mso-contentType ?>
+<FormTemplates xmlns="http://schemas.microsoft.com/sharepoint/v3/contenttype/forms">
+  <Display>DocumentLibraryForm</Display>
+  <Edit>DocumentLibraryForm</Edit>
+  <New>DocumentLibraryForm</New>
+</FormTemplates>
+</file>
+
 <file path=customXml/item3.xml><?xml version="1.0" encoding="utf-8"?>
 <p:properties xmlns:p="http://schemas.microsoft.com/office/2006/metadata/properties" xmlns:xsi="http://www.w3.org/2001/XMLSchema-instance" xmlns:pc="http://schemas.microsoft.com/office/infopath/2007/PartnerControls">
   <documentManagement>
@@ -15501,14 +15506,6 @@
 </file>
 
 <file path=customXml/itemProps1.xml><?xml version="1.0" encoding="utf-8"?>
-<ds:datastoreItem xmlns:ds="http://schemas.openxmlformats.org/officeDocument/2006/customXml" ds:itemID="{904751AB-E840-446F-8D49-E697067EC887}">
-  <ds:schemaRefs>
-    <ds:schemaRef ds:uri="http://schemas.microsoft.com/sharepoint/v3/contenttype/forms"/>
-  </ds:schemaRefs>
-</ds:datastoreItem>
-</file>
-
-<file path=customXml/itemProps2.xml><?xml version="1.0" encoding="utf-8"?>
 <ds:datastoreItem xmlns:ds="http://schemas.openxmlformats.org/officeDocument/2006/customXml" ds:itemID="{DE4876F9-7AE1-498D-B8FE-1E3AD703D2AF}">
   <ds:schemaRefs>
     <ds:schemaRef ds:uri="http://schemas.microsoft.com/office/2006/metadata/contentType"/>
@@ -15525,6 +15522,14 @@
     <ds:schemaRef ds:uri="http://purl.org/dc/elements/1.1/"/>
     <ds:schemaRef ds:uri="http://purl.org/dc/terms/"/>
     <ds:schemaRef ds:uri="http://schemas.microsoft.com/internal/obd"/>
+  </ds:schemaRefs>
+</ds:datastoreItem>
+</file>
+
+<file path=customXml/itemProps2.xml><?xml version="1.0" encoding="utf-8"?>
+<ds:datastoreItem xmlns:ds="http://schemas.openxmlformats.org/officeDocument/2006/customXml" ds:itemID="{904751AB-E840-446F-8D49-E697067EC887}">
+  <ds:schemaRefs>
+    <ds:schemaRef ds:uri="http://schemas.microsoft.com/sharepoint/v3/contenttype/forms"/>
   </ds:schemaRefs>
 </ds:datastoreItem>
 </file>
